--- a/lectures/mvxx/mvxx.pptx
+++ b/lectures/mvxx/mvxx.pptx
@@ -5,7 +5,7 @@
     <p:sldMasterId id="2147483672" r:id="rId10"/>
   </p:sldMasterIdLst>
   <p:notesMasterIdLst>
-    <p:notesMasterId r:id="rId22"/>
+    <p:notesMasterId r:id="rId30"/>
   </p:notesMasterIdLst>
   <p:sldIdLst>
     <p:sldId id="256" r:id="rId11"/>
@@ -13,17 +13,25 @@
     <p:sldId id="263" r:id="rId13"/>
     <p:sldId id="264" r:id="rId14"/>
     <p:sldId id="265" r:id="rId15"/>
-    <p:sldId id="257" r:id="rId16"/>
-    <p:sldId id="258" r:id="rId17"/>
-    <p:sldId id="259" r:id="rId18"/>
-    <p:sldId id="260" r:id="rId19"/>
-    <p:sldId id="261" r:id="rId20"/>
-    <p:sldId id="266" r:id="rId21"/>
+    <p:sldId id="267" r:id="rId16"/>
+    <p:sldId id="257" r:id="rId17"/>
+    <p:sldId id="258" r:id="rId18"/>
+    <p:sldId id="259" r:id="rId19"/>
+    <p:sldId id="260" r:id="rId20"/>
+    <p:sldId id="261" r:id="rId21"/>
+    <p:sldId id="272" r:id="rId22"/>
+    <p:sldId id="271" r:id="rId23"/>
+    <p:sldId id="273" r:id="rId24"/>
+    <p:sldId id="274" r:id="rId25"/>
+    <p:sldId id="268" r:id="rId26"/>
+    <p:sldId id="269" r:id="rId27"/>
+    <p:sldId id="270" r:id="rId28"/>
+    <p:sldId id="266" r:id="rId29"/>
   </p:sldIdLst>
   <p:sldSz cx="9144000" cy="6858000" type="screen4x3"/>
   <p:notesSz cx="6858000" cy="9144000"/>
   <p:custDataLst>
-    <p:tags r:id="rId23"/>
+    <p:tags r:id="rId31"/>
   </p:custDataLst>
   <p:defaultTextStyle>
     <a:defPPr>
@@ -221,7 +229,7 @@
           <a:p>
             <a:fld id="{2F3DCB6D-0B48-4A3D-B663-06C3F903A9D3}" type="datetimeFigureOut">
               <a:rPr lang="ru-RU" smtClean="0"/>
-              <a:t>26.06.2016</a:t>
+              <a:t>11.05.2017</a:t>
             </a:fld>
             <a:endParaRPr lang="ru-RU"/>
           </a:p>
@@ -818,7 +826,7 @@
           <a:p>
             <a:fld id="{2590F9C9-AB92-4E86-B698-DEC9BF4350FF}" type="datetimeFigureOut">
               <a:rPr lang="ru-RU" smtClean="0"/>
-              <a:t>26.06.2016</a:t>
+              <a:t>11.05.2017</a:t>
             </a:fld>
             <a:endParaRPr lang="ru-RU"/>
           </a:p>
@@ -1035,7 +1043,7 @@
           <a:p>
             <a:fld id="{2590F9C9-AB92-4E86-B698-DEC9BF4350FF}" type="datetimeFigureOut">
               <a:rPr lang="ru-RU" smtClean="0"/>
-              <a:t>26.06.2016</a:t>
+              <a:t>11.05.2017</a:t>
             </a:fld>
             <a:endParaRPr lang="ru-RU"/>
           </a:p>
@@ -1307,7 +1315,7 @@
           <a:p>
             <a:fld id="{2590F9C9-AB92-4E86-B698-DEC9BF4350FF}" type="datetimeFigureOut">
               <a:rPr lang="ru-RU" smtClean="0"/>
-              <a:t>26.06.2016</a:t>
+              <a:t>11.05.2017</a:t>
             </a:fld>
             <a:endParaRPr lang="ru-RU"/>
           </a:p>
@@ -1482,7 +1490,7 @@
           <a:p>
             <a:fld id="{2590F9C9-AB92-4E86-B698-DEC9BF4350FF}" type="datetimeFigureOut">
               <a:rPr lang="ru-RU" smtClean="0"/>
-              <a:t>26.06.2016</a:t>
+              <a:t>11.05.2017</a:t>
             </a:fld>
             <a:endParaRPr lang="ru-RU"/>
           </a:p>
@@ -1836,7 +1844,7 @@
           <a:p>
             <a:fld id="{2590F9C9-AB92-4E86-B698-DEC9BF4350FF}" type="datetimeFigureOut">
               <a:rPr lang="ru-RU" smtClean="0"/>
-              <a:t>26.06.2016</a:t>
+              <a:t>11.05.2017</a:t>
             </a:fld>
             <a:endParaRPr lang="ru-RU"/>
           </a:p>
@@ -2121,7 +2129,7 @@
           <a:p>
             <a:fld id="{2590F9C9-AB92-4E86-B698-DEC9BF4350FF}" type="datetimeFigureOut">
               <a:rPr lang="ru-RU" smtClean="0"/>
-              <a:t>26.06.2016</a:t>
+              <a:t>11.05.2017</a:t>
             </a:fld>
             <a:endParaRPr lang="ru-RU"/>
           </a:p>
@@ -2543,7 +2551,7 @@
           <a:p>
             <a:fld id="{2590F9C9-AB92-4E86-B698-DEC9BF4350FF}" type="datetimeFigureOut">
               <a:rPr lang="ru-RU" smtClean="0"/>
-              <a:t>26.06.2016</a:t>
+              <a:t>11.05.2017</a:t>
             </a:fld>
             <a:endParaRPr lang="ru-RU"/>
           </a:p>
@@ -2656,7 +2664,7 @@
           <a:p>
             <a:fld id="{2590F9C9-AB92-4E86-B698-DEC9BF4350FF}" type="datetimeFigureOut">
               <a:rPr lang="ru-RU" smtClean="0"/>
-              <a:t>26.06.2016</a:t>
+              <a:t>11.05.2017</a:t>
             </a:fld>
             <a:endParaRPr lang="ru-RU"/>
           </a:p>
@@ -2746,7 +2754,7 @@
           <a:p>
             <a:fld id="{2590F9C9-AB92-4E86-B698-DEC9BF4350FF}" type="datetimeFigureOut">
               <a:rPr lang="ru-RU" smtClean="0"/>
-              <a:t>26.06.2016</a:t>
+              <a:t>11.05.2017</a:t>
             </a:fld>
             <a:endParaRPr lang="ru-RU"/>
           </a:p>
@@ -3024,7 +3032,7 @@
           <a:p>
             <a:fld id="{2590F9C9-AB92-4E86-B698-DEC9BF4350FF}" type="datetimeFigureOut">
               <a:rPr lang="ru-RU" smtClean="0"/>
-              <a:t>26.06.2016</a:t>
+              <a:t>11.05.2017</a:t>
             </a:fld>
             <a:endParaRPr lang="ru-RU"/>
           </a:p>
@@ -3386,7 +3394,7 @@
           <a:p>
             <a:fld id="{2590F9C9-AB92-4E86-B698-DEC9BF4350FF}" type="datetimeFigureOut">
               <a:rPr lang="ru-RU" smtClean="0"/>
-              <a:t>26.06.2016</a:t>
+              <a:t>11.05.2017</a:t>
             </a:fld>
             <a:endParaRPr lang="ru-RU"/>
           </a:p>
@@ -3811,7 +3819,7 @@
           <a:p>
             <a:fld id="{2590F9C9-AB92-4E86-B698-DEC9BF4350FF}" type="datetimeFigureOut">
               <a:rPr lang="ru-RU" smtClean="0"/>
-              <a:t>26.06.2016</a:t>
+              <a:t>11.05.2017</a:t>
             </a:fld>
             <a:endParaRPr lang="ru-RU"/>
           </a:p>
@@ -4321,118 +4329,58 @@
           <a:p>
             <a:r>
               <a:rPr lang="ru-RU" dirty="0"/>
-              <a:t>Тестовые дублеры (</a:t>
+              <a:t>Применение</a:t>
+            </a:r>
+          </a:p>
+        </p:txBody>
+      </p:sp>
+      <p:sp>
+        <p:nvSpPr>
+          <p:cNvPr id="3" name="Объект 2"/>
+          <p:cNvSpPr>
+            <a:spLocks noGrp="1"/>
+          </p:cNvSpPr>
+          <p:nvPr>
+            <p:ph idx="1"/>
+          </p:nvPr>
+        </p:nvSpPr>
+        <p:spPr/>
+        <p:txBody>
+          <a:bodyPr/>
+          <a:lstStyle/>
+          <a:p>
+            <a:r>
+              <a:rPr lang="ru-RU" dirty="0"/>
+              <a:t>Важно обеспечить хорошее покрытие кода тестами</a:t>
+            </a:r>
+          </a:p>
+          <a:p>
+            <a:r>
+              <a:rPr lang="ru-RU" dirty="0"/>
+              <a:t>Контроллер может функционировать и быть протестирован вне </a:t>
             </a:r>
             <a:r>
               <a:rPr lang="en-US" dirty="0"/>
-              <a:t>Test Double)</a:t>
-            </a:r>
-            <a:endParaRPr lang="ru-RU" dirty="0"/>
-          </a:p>
-        </p:txBody>
-      </p:sp>
-      <p:sp>
-        <p:nvSpPr>
-          <p:cNvPr id="3" name="Объект 2"/>
-          <p:cNvSpPr>
-            <a:spLocks noGrp="1"/>
-          </p:cNvSpPr>
-          <p:nvPr>
-            <p:ph idx="1"/>
-          </p:nvPr>
-        </p:nvSpPr>
-        <p:spPr/>
-        <p:txBody>
-          <a:bodyPr>
-            <a:normAutofit fontScale="77500" lnSpcReduction="20000"/>
-          </a:bodyPr>
-          <a:lstStyle/>
-          <a:p>
+              <a:t>UI</a:t>
+            </a:r>
+            <a:r>
+              <a:rPr lang="ru-RU" dirty="0"/>
+              <a:t>-окружения</a:t>
+            </a:r>
+          </a:p>
+          <a:p>
+            <a:pPr lvl="1"/>
+            <a:r>
+              <a:rPr lang="ru-RU" dirty="0"/>
+              <a:t>В качестве </a:t>
+            </a:r>
             <a:r>
               <a:rPr lang="en-US" dirty="0"/>
-              <a:t>Test stub (</a:t>
+              <a:t>View </a:t>
             </a:r>
             <a:r>
               <a:rPr lang="ru-RU" dirty="0"/>
-              <a:t>заглушка)</a:t>
-            </a:r>
-            <a:endParaRPr lang="en-US" dirty="0"/>
-          </a:p>
-          <a:p>
-            <a:pPr lvl="1"/>
-            <a:r>
-              <a:rPr lang="ru-RU" dirty="0"/>
-              <a:t>Предоставляет фиксированный набор результатов вызова</a:t>
-            </a:r>
-          </a:p>
-          <a:p>
-            <a:pPr lvl="1"/>
-            <a:r>
-              <a:rPr lang="ru-RU" dirty="0"/>
-              <a:t>Может протоколировать информацию о вызовах методов</a:t>
-            </a:r>
-          </a:p>
-          <a:p>
-            <a:r>
-              <a:rPr lang="en-US" dirty="0"/>
-              <a:t>Mock object </a:t>
-            </a:r>
-            <a:r>
-              <a:rPr lang="ru-RU" dirty="0"/>
-              <a:t>(фиктивный объект)</a:t>
-            </a:r>
-          </a:p>
-          <a:p>
-            <a:r>
-              <a:rPr lang="en-US" dirty="0"/>
-              <a:t>Test spy</a:t>
-            </a:r>
-            <a:endParaRPr lang="ru-RU" dirty="0"/>
-          </a:p>
-          <a:p>
-            <a:r>
-              <a:rPr lang="en-US" dirty="0"/>
-              <a:t>Fake Object</a:t>
-            </a:r>
-          </a:p>
-          <a:p>
-            <a:pPr lvl="1"/>
-            <a:r>
-              <a:rPr lang="ru-RU" dirty="0"/>
-              <a:t>Имеет рабочую реализацию, но</a:t>
-            </a:r>
-            <a:r>
-              <a:rPr lang="en-US" dirty="0"/>
-              <a:t> </a:t>
-            </a:r>
-            <a:r>
-              <a:rPr lang="ru-RU" dirty="0"/>
-              <a:t>«срезает углы», что делает малопригодным в</a:t>
-            </a:r>
-            <a:r>
-              <a:rPr lang="en-US" dirty="0"/>
-              <a:t> production</a:t>
-            </a:r>
-          </a:p>
-          <a:p>
-            <a:pPr lvl="2"/>
-            <a:r>
-              <a:rPr lang="ru-RU" dirty="0"/>
-              <a:t>БД, находящаяся в памяти</a:t>
-            </a:r>
-            <a:endParaRPr lang="en-US" dirty="0"/>
-          </a:p>
-          <a:p>
-            <a:r>
-              <a:rPr lang="en-US" dirty="0"/>
-              <a:t>Dummy object</a:t>
-            </a:r>
-          </a:p>
-          <a:p>
-            <a:pPr lvl="1"/>
-            <a:r>
-              <a:rPr lang="ru-RU" dirty="0"/>
-              <a:t>Передается в метод/функцию, но никогда не используется. Как правило, используется как заполнитель параметров</a:t>
+              <a:t>может быть использован тестовый дублер</a:t>
             </a:r>
           </a:p>
         </p:txBody>
@@ -4440,7 +4388,7 @@
     </p:spTree>
     <p:extLst>
       <p:ext uri="{BB962C8B-B14F-4D97-AF65-F5344CB8AC3E}">
-        <p14:creationId xmlns:p14="http://schemas.microsoft.com/office/powerpoint/2010/main" val="2258732444"/>
+        <p14:creationId xmlns:p14="http://schemas.microsoft.com/office/powerpoint/2010/main" val="1423434087"/>
       </p:ext>
     </p:extLst>
   </p:cSld>
@@ -4476,35 +4424,277 @@
       </p:grpSpPr>
       <p:sp>
         <p:nvSpPr>
+          <p:cNvPr id="2" name="Заголовок 1"/>
+          <p:cNvSpPr>
+            <a:spLocks noGrp="1"/>
+          </p:cNvSpPr>
+          <p:nvPr>
+            <p:ph type="title"/>
+          </p:nvPr>
+        </p:nvSpPr>
+        <p:spPr/>
+        <p:txBody>
+          <a:bodyPr/>
+          <a:lstStyle/>
+          <a:p>
+            <a:r>
+              <a:rPr lang="ru-RU" dirty="0"/>
+              <a:t>Тестовые дублеры (</a:t>
+            </a:r>
+            <a:r>
+              <a:rPr lang="en-US" dirty="0"/>
+              <a:t>Test Double)</a:t>
+            </a:r>
+            <a:endParaRPr lang="ru-RU" dirty="0"/>
+          </a:p>
+        </p:txBody>
+      </p:sp>
+      <p:sp>
+        <p:nvSpPr>
+          <p:cNvPr id="3" name="Объект 2"/>
+          <p:cNvSpPr>
+            <a:spLocks noGrp="1"/>
+          </p:cNvSpPr>
+          <p:nvPr>
+            <p:ph idx="1"/>
+          </p:nvPr>
+        </p:nvSpPr>
+        <p:spPr/>
+        <p:txBody>
+          <a:bodyPr>
+            <a:normAutofit fontScale="77500" lnSpcReduction="20000"/>
+          </a:bodyPr>
+          <a:lstStyle/>
+          <a:p>
+            <a:r>
+              <a:rPr lang="en-US" dirty="0"/>
+              <a:t>Test stub (</a:t>
+            </a:r>
+            <a:r>
+              <a:rPr lang="ru-RU" dirty="0"/>
+              <a:t>заглушка)</a:t>
+            </a:r>
+            <a:endParaRPr lang="en-US" dirty="0"/>
+          </a:p>
+          <a:p>
+            <a:pPr lvl="1"/>
+            <a:r>
+              <a:rPr lang="ru-RU" dirty="0"/>
+              <a:t>Предоставляет фиксированный набор результатов вызова</a:t>
+            </a:r>
+          </a:p>
+          <a:p>
+            <a:pPr lvl="1"/>
+            <a:r>
+              <a:rPr lang="ru-RU" dirty="0"/>
+              <a:t>Может протоколировать информацию о вызовах методов</a:t>
+            </a:r>
+          </a:p>
+          <a:p>
+            <a:r>
+              <a:rPr lang="en-US" dirty="0"/>
+              <a:t>Mock object </a:t>
+            </a:r>
+            <a:r>
+              <a:rPr lang="ru-RU" dirty="0"/>
+              <a:t>(фиктивный объект)</a:t>
+            </a:r>
+          </a:p>
+          <a:p>
+            <a:r>
+              <a:rPr lang="en-US" dirty="0"/>
+              <a:t>Test spy</a:t>
+            </a:r>
+            <a:endParaRPr lang="ru-RU" dirty="0"/>
+          </a:p>
+          <a:p>
+            <a:r>
+              <a:rPr lang="en-US" dirty="0"/>
+              <a:t>Fake Object</a:t>
+            </a:r>
+          </a:p>
+          <a:p>
+            <a:pPr lvl="1"/>
+            <a:r>
+              <a:rPr lang="ru-RU" dirty="0"/>
+              <a:t>Имеет рабочую реализацию, но</a:t>
+            </a:r>
+            <a:r>
+              <a:rPr lang="en-US" dirty="0"/>
+              <a:t> </a:t>
+            </a:r>
+            <a:r>
+              <a:rPr lang="ru-RU" dirty="0"/>
+              <a:t>«срезает углы», что делает малопригодным в</a:t>
+            </a:r>
+            <a:r>
+              <a:rPr lang="en-US" dirty="0"/>
+              <a:t> production</a:t>
+            </a:r>
+          </a:p>
+          <a:p>
+            <a:pPr lvl="2"/>
+            <a:r>
+              <a:rPr lang="ru-RU" dirty="0"/>
+              <a:t>БД, находящаяся в памяти</a:t>
+            </a:r>
+            <a:endParaRPr lang="en-US" dirty="0"/>
+          </a:p>
+          <a:p>
+            <a:r>
+              <a:rPr lang="en-US" dirty="0"/>
+              <a:t>Dummy object</a:t>
+            </a:r>
+          </a:p>
+          <a:p>
+            <a:pPr lvl="1"/>
+            <a:r>
+              <a:rPr lang="ru-RU" dirty="0"/>
+              <a:t>Передается в метод/функцию, но никогда не используется. Как правило, используется как заполнитель параметров</a:t>
+            </a:r>
+          </a:p>
+        </p:txBody>
+      </p:sp>
+    </p:spTree>
+    <p:extLst>
+      <p:ext uri="{BB962C8B-B14F-4D97-AF65-F5344CB8AC3E}">
+        <p14:creationId xmlns:p14="http://schemas.microsoft.com/office/powerpoint/2010/main" val="2258732444"/>
+      </p:ext>
+    </p:extLst>
+  </p:cSld>
+  <p:clrMapOvr>
+    <a:masterClrMapping/>
+  </p:clrMapOvr>
+  <p:timing>
+    <p:tnLst>
+      <p:par>
+        <p:cTn id="1" dur="indefinite" restart="never" nodeType="tmRoot"/>
+      </p:par>
+    </p:tnLst>
+  </p:timing>
+</p:sld>
+</file>
+
+<file path=ppt/slides/slide12.xml><?xml version="1.0" encoding="utf-8"?>
+<p:sld xmlns:a="http://schemas.openxmlformats.org/drawingml/2006/main" xmlns:r="http://schemas.openxmlformats.org/officeDocument/2006/relationships" xmlns:p="http://schemas.openxmlformats.org/presentationml/2006/main">
+  <p:cSld>
+    <p:spTree>
+      <p:nvGrpSpPr>
+        <p:cNvPr id="1" name=""/>
+        <p:cNvGrpSpPr/>
+        <p:nvPr/>
+      </p:nvGrpSpPr>
+      <p:grpSpPr>
+        <a:xfrm>
+          <a:off x="0" y="0"/>
+          <a:ext cx="0" cy="0"/>
+          <a:chOff x="0" y="0"/>
+          <a:chExt cx="0" cy="0"/>
+        </a:xfrm>
+      </p:grpSpPr>
+      <p:sp>
+        <p:nvSpPr>
+          <p:cNvPr id="4" name="Title 3"/>
+          <p:cNvSpPr>
+            <a:spLocks noGrp="1"/>
+          </p:cNvSpPr>
+          <p:nvPr>
+            <p:ph type="title"/>
+          </p:nvPr>
+        </p:nvSpPr>
+        <p:spPr/>
+        <p:txBody>
+          <a:bodyPr/>
+          <a:lstStyle/>
+          <a:p>
+            <a:r>
+              <a:rPr lang="en-US" dirty="0" smtClean="0"/>
+              <a:t>Model-View-Presenter</a:t>
+            </a:r>
+            <a:endParaRPr lang="ru-RU" dirty="0"/>
+          </a:p>
+        </p:txBody>
+      </p:sp>
+      <p:sp>
+        <p:nvSpPr>
+          <p:cNvPr id="5" name="Text Placeholder 4"/>
+          <p:cNvSpPr>
+            <a:spLocks noGrp="1"/>
+          </p:cNvSpPr>
+          <p:nvPr>
+            <p:ph type="body" idx="1"/>
+          </p:nvPr>
+        </p:nvSpPr>
+        <p:spPr/>
+        <p:txBody>
+          <a:bodyPr/>
+          <a:lstStyle/>
+          <a:p>
+            <a:r>
+              <a:rPr lang="en-US" dirty="0" smtClean="0"/>
+              <a:t>MVP = </a:t>
+            </a:r>
+            <a:r>
+              <a:rPr lang="en-US" dirty="0" err="1" smtClean="0"/>
+              <a:t>SupervisingController</a:t>
+            </a:r>
+            <a:r>
+              <a:rPr lang="en-US" dirty="0" smtClean="0"/>
+              <a:t> + </a:t>
+            </a:r>
+            <a:r>
+              <a:rPr lang="en-US" dirty="0" err="1" smtClean="0"/>
+              <a:t>PassiveView</a:t>
+            </a:r>
+            <a:endParaRPr lang="ru-RU" dirty="0"/>
+          </a:p>
+        </p:txBody>
+      </p:sp>
+    </p:spTree>
+    <p:extLst>
+      <p:ext uri="{BB962C8B-B14F-4D97-AF65-F5344CB8AC3E}">
+        <p14:creationId xmlns:p14="http://schemas.microsoft.com/office/powerpoint/2010/main" val="222091884"/>
+      </p:ext>
+    </p:extLst>
+  </p:cSld>
+  <p:clrMapOvr>
+    <a:masterClrMapping/>
+  </p:clrMapOvr>
+  <p:timing>
+    <p:tnLst>
+      <p:par>
+        <p:cTn id="1" dur="indefinite" restart="never" nodeType="tmRoot"/>
+      </p:par>
+    </p:tnLst>
+  </p:timing>
+</p:sld>
+</file>
+
+<file path=ppt/slides/slide13.xml><?xml version="1.0" encoding="utf-8"?>
+<p:sld xmlns:a="http://schemas.openxmlformats.org/drawingml/2006/main" xmlns:r="http://schemas.openxmlformats.org/officeDocument/2006/relationships" xmlns:p="http://schemas.openxmlformats.org/presentationml/2006/main">
+  <p:cSld>
+    <p:spTree>
+      <p:nvGrpSpPr>
+        <p:cNvPr id="1" name=""/>
+        <p:cNvGrpSpPr/>
+        <p:nvPr/>
+      </p:nvGrpSpPr>
+      <p:grpSpPr>
+        <a:xfrm>
+          <a:off x="0" y="0"/>
+          <a:ext cx="0" cy="0"/>
+          <a:chOff x="0" y="0"/>
+          <a:chExt cx="0" cy="0"/>
+        </a:xfrm>
+      </p:grpSpPr>
+      <p:sp>
+        <p:nvSpPr>
           <p:cNvPr id="2" name="Title 1"/>
           <p:cNvSpPr>
             <a:spLocks noGrp="1"/>
           </p:cNvSpPr>
           <p:nvPr>
             <p:ph type="title"/>
-          </p:nvPr>
-        </p:nvSpPr>
-        <p:spPr/>
-        <p:txBody>
-          <a:bodyPr/>
-          <a:lstStyle/>
-          <a:p>
-            <a:r>
-              <a:rPr lang="ru-RU" smtClean="0"/>
-              <a:t>Ссылки</a:t>
-            </a:r>
-            <a:endParaRPr lang="ru-RU" dirty="0"/>
-          </a:p>
-        </p:txBody>
-      </p:sp>
-      <p:sp>
-        <p:nvSpPr>
-          <p:cNvPr id="3" name="Content Placeholder 2"/>
-          <p:cNvSpPr>
-            <a:spLocks noGrp="1"/>
-          </p:cNvSpPr>
-          <p:nvPr>
-            <p:ph idx="1"/>
           </p:nvPr>
         </p:nvSpPr>
         <p:spPr/>
@@ -4516,16 +4706,766 @@
               <a:rPr lang="en-US" dirty="0" smtClean="0">
                 <a:hlinkClick r:id="rId2"/>
               </a:rPr>
-              <a:t>Everything you wanted to know about MVC and MVP but were afraid to ask</a:t>
+              <a:t>Model-View-Presenter</a:t>
+            </a:r>
+            <a:r>
+              <a:rPr lang="en-US" dirty="0" smtClean="0"/>
+              <a:t> vs MVC</a:t>
+            </a:r>
+            <a:endParaRPr lang="ru-RU" dirty="0"/>
+          </a:p>
+        </p:txBody>
+      </p:sp>
+      <p:pic>
+        <p:nvPicPr>
+          <p:cNvPr id="4" name="Content Placeholder 3"/>
+          <p:cNvPicPr>
+            <a:picLocks noGrp="1" noChangeAspect="1"/>
+          </p:cNvPicPr>
+          <p:nvPr>
+            <p:ph idx="1"/>
+          </p:nvPr>
+        </p:nvPicPr>
+        <p:blipFill rotWithShape="1">
+          <a:blip r:embed="rId3">
+            <a:extLst>
+              <a:ext uri="{28A0092B-C50C-407E-A947-70E740481C1C}">
+                <a14:useLocalDpi xmlns:a14="http://schemas.microsoft.com/office/drawing/2010/main" val="0"/>
+              </a:ext>
+            </a:extLst>
+          </a:blip>
+          <a:srcRect l="4052" t="4626" r="19368" b="40894"/>
+          <a:stretch/>
+        </p:blipFill>
+        <p:spPr>
+          <a:xfrm>
+            <a:off x="179512" y="1844824"/>
+            <a:ext cx="8280920" cy="3622903"/>
+          </a:xfrm>
+        </p:spPr>
+      </p:pic>
+    </p:spTree>
+    <p:extLst>
+      <p:ext uri="{BB962C8B-B14F-4D97-AF65-F5344CB8AC3E}">
+        <p14:creationId xmlns:p14="http://schemas.microsoft.com/office/powerpoint/2010/main" val="2117684116"/>
+      </p:ext>
+    </p:extLst>
+  </p:cSld>
+  <p:clrMapOvr>
+    <a:masterClrMapping/>
+  </p:clrMapOvr>
+  <p:timing>
+    <p:tnLst>
+      <p:par>
+        <p:cTn id="1" dur="indefinite" restart="never" nodeType="tmRoot"/>
+      </p:par>
+    </p:tnLst>
+  </p:timing>
+</p:sld>
+</file>
+
+<file path=ppt/slides/slide14.xml><?xml version="1.0" encoding="utf-8"?>
+<p:sld xmlns:a="http://schemas.openxmlformats.org/drawingml/2006/main" xmlns:r="http://schemas.openxmlformats.org/officeDocument/2006/relationships" xmlns:p="http://schemas.openxmlformats.org/presentationml/2006/main">
+  <p:cSld>
+    <p:spTree>
+      <p:nvGrpSpPr>
+        <p:cNvPr id="1" name=""/>
+        <p:cNvGrpSpPr/>
+        <p:nvPr/>
+      </p:nvGrpSpPr>
+      <p:grpSpPr>
+        <a:xfrm>
+          <a:off x="0" y="0"/>
+          <a:ext cx="0" cy="0"/>
+          <a:chOff x="0" y="0"/>
+          <a:chExt cx="0" cy="0"/>
+        </a:xfrm>
+      </p:grpSpPr>
+      <p:sp>
+        <p:nvSpPr>
+          <p:cNvPr id="2" name="Title 1"/>
+          <p:cNvSpPr>
+            <a:spLocks noGrp="1"/>
+          </p:cNvSpPr>
+          <p:nvPr>
+            <p:ph type="title"/>
+          </p:nvPr>
+        </p:nvSpPr>
+        <p:spPr/>
+        <p:txBody>
+          <a:bodyPr/>
+          <a:lstStyle/>
+          <a:p>
+            <a:r>
+              <a:rPr lang="en-US" dirty="0" smtClean="0"/>
+              <a:t>Presenter</a:t>
+            </a:r>
+            <a:endParaRPr lang="ru-RU" dirty="0"/>
+          </a:p>
+        </p:txBody>
+      </p:sp>
+      <p:sp>
+        <p:nvSpPr>
+          <p:cNvPr id="3" name="Content Placeholder 2"/>
+          <p:cNvSpPr>
+            <a:spLocks noGrp="1"/>
+          </p:cNvSpPr>
+          <p:nvPr>
+            <p:ph idx="1"/>
+          </p:nvPr>
+        </p:nvSpPr>
+        <p:spPr/>
+        <p:txBody>
+          <a:bodyPr/>
+          <a:lstStyle/>
+          <a:p>
+            <a:r>
+              <a:rPr lang="ru-RU" dirty="0" smtClean="0"/>
+              <a:t>Хранит визуальное состояние и обновляет его при изменении </a:t>
+            </a:r>
+            <a:r>
+              <a:rPr lang="en-US" dirty="0" smtClean="0"/>
+              <a:t>Domain Model</a:t>
+            </a:r>
+            <a:endParaRPr lang="ru-RU" dirty="0" smtClean="0"/>
+          </a:p>
+          <a:p>
+            <a:r>
+              <a:rPr lang="ru-RU" dirty="0" smtClean="0"/>
+              <a:t>Конвертирует бизнес-правила в визуальное представление</a:t>
+            </a:r>
+          </a:p>
+          <a:p>
+            <a:r>
+              <a:rPr lang="ru-RU" dirty="0" smtClean="0"/>
+              <a:t>Обрабатывает состояние </a:t>
+            </a:r>
+            <a:r>
+              <a:rPr lang="en-US" dirty="0" smtClean="0"/>
+              <a:t>Selection </a:t>
+            </a:r>
+            <a:r>
+              <a:rPr lang="ru-RU" dirty="0" smtClean="0"/>
+              <a:t>и применяет действия к выделенной части модели</a:t>
+            </a:r>
+          </a:p>
+          <a:p>
+            <a:r>
+              <a:rPr lang="ru-RU" dirty="0" smtClean="0"/>
+              <a:t>Обрабатывает события от </a:t>
+            </a:r>
+            <a:r>
+              <a:rPr lang="en-US" dirty="0" smtClean="0"/>
+              <a:t>View </a:t>
+            </a:r>
+            <a:r>
+              <a:rPr lang="ru-RU" dirty="0" smtClean="0"/>
+              <a:t>и модифицирует модель</a:t>
+            </a:r>
+            <a:endParaRPr lang="ru-RU" dirty="0"/>
+          </a:p>
+        </p:txBody>
+      </p:sp>
+    </p:spTree>
+    <p:extLst>
+      <p:ext uri="{BB962C8B-B14F-4D97-AF65-F5344CB8AC3E}">
+        <p14:creationId xmlns:p14="http://schemas.microsoft.com/office/powerpoint/2010/main" val="1639033082"/>
+      </p:ext>
+    </p:extLst>
+  </p:cSld>
+  <p:clrMapOvr>
+    <a:masterClrMapping/>
+  </p:clrMapOvr>
+  <p:timing>
+    <p:tnLst>
+      <p:par>
+        <p:cTn id="1" dur="indefinite" restart="never" nodeType="tmRoot"/>
+      </p:par>
+    </p:tnLst>
+  </p:timing>
+</p:sld>
+</file>
+
+<file path=ppt/slides/slide15.xml><?xml version="1.0" encoding="utf-8"?>
+<p:sld xmlns:a="http://schemas.openxmlformats.org/drawingml/2006/main" xmlns:r="http://schemas.openxmlformats.org/officeDocument/2006/relationships" xmlns:p="http://schemas.openxmlformats.org/presentationml/2006/main">
+  <p:cSld>
+    <p:spTree>
+      <p:nvGrpSpPr>
+        <p:cNvPr id="1" name=""/>
+        <p:cNvGrpSpPr/>
+        <p:nvPr/>
+      </p:nvGrpSpPr>
+      <p:grpSpPr>
+        <a:xfrm>
+          <a:off x="0" y="0"/>
+          <a:ext cx="0" cy="0"/>
+          <a:chOff x="0" y="0"/>
+          <a:chExt cx="0" cy="0"/>
+        </a:xfrm>
+      </p:grpSpPr>
+      <p:sp>
+        <p:nvSpPr>
+          <p:cNvPr id="2" name="Title 1"/>
+          <p:cNvSpPr>
+            <a:spLocks noGrp="1"/>
+          </p:cNvSpPr>
+          <p:nvPr>
+            <p:ph type="title"/>
+          </p:nvPr>
+        </p:nvSpPr>
+        <p:spPr/>
+        <p:txBody>
+          <a:bodyPr/>
+          <a:lstStyle/>
+          <a:p>
+            <a:r>
+              <a:rPr lang="ru-RU" dirty="0" smtClean="0"/>
+              <a:t>Подход </a:t>
+            </a:r>
+            <a:r>
+              <a:rPr lang="en-US" dirty="0" err="1" smtClean="0"/>
+              <a:t>PresenterFirst</a:t>
+            </a:r>
+            <a:endParaRPr lang="ru-RU" dirty="0"/>
+          </a:p>
+        </p:txBody>
+      </p:sp>
+      <p:sp>
+        <p:nvSpPr>
+          <p:cNvPr id="3" name="Content Placeholder 2"/>
+          <p:cNvSpPr>
+            <a:spLocks noGrp="1"/>
+          </p:cNvSpPr>
+          <p:nvPr>
+            <p:ph idx="1"/>
+          </p:nvPr>
+        </p:nvSpPr>
+        <p:spPr/>
+        <p:txBody>
+          <a:bodyPr>
+            <a:normAutofit fontScale="92500" lnSpcReduction="20000"/>
+          </a:bodyPr>
+          <a:lstStyle/>
+          <a:p>
+            <a:r>
+              <a:rPr lang="ru-RU" dirty="0" smtClean="0"/>
+              <a:t>Подход к реализации </a:t>
+            </a:r>
+            <a:r>
+              <a:rPr lang="en-US" dirty="0" smtClean="0"/>
+              <a:t>MVP</a:t>
+            </a:r>
+            <a:r>
+              <a:rPr lang="ru-RU" dirty="0" smtClean="0"/>
+              <a:t>, при котором программист изначально фокусируется на разработке </a:t>
+            </a:r>
+            <a:r>
+              <a:rPr lang="en-US" dirty="0" smtClean="0"/>
+              <a:t>Presenter</a:t>
+            </a:r>
+          </a:p>
+          <a:p>
+            <a:pPr lvl="1"/>
+            <a:r>
+              <a:rPr lang="en-US" dirty="0" smtClean="0"/>
+              <a:t>Presenter</a:t>
+            </a:r>
+            <a:r>
+              <a:rPr lang="ru-RU" dirty="0" smtClean="0"/>
+              <a:t> не имеет состояния (использует</a:t>
+            </a:r>
+            <a:r>
+              <a:rPr lang="en-US" dirty="0" smtClean="0"/>
+              <a:t> View </a:t>
+            </a:r>
+            <a:r>
+              <a:rPr lang="ru-RU" dirty="0" smtClean="0"/>
+              <a:t>и </a:t>
+            </a:r>
+            <a:r>
+              <a:rPr lang="en-US" dirty="0" smtClean="0"/>
+              <a:t>Model)</a:t>
+            </a:r>
+          </a:p>
+          <a:p>
+            <a:pPr lvl="2"/>
+            <a:r>
+              <a:rPr lang="ru-RU" dirty="0" smtClean="0"/>
+              <a:t>В этом случае </a:t>
+            </a:r>
+            <a:r>
+              <a:rPr lang="en-US" dirty="0" smtClean="0"/>
+              <a:t>Presenter </a:t>
+            </a:r>
+            <a:r>
+              <a:rPr lang="ru-RU" dirty="0" smtClean="0"/>
+              <a:t>может вообще не иметь публичных методов</a:t>
+            </a:r>
+          </a:p>
+          <a:p>
+            <a:pPr lvl="1"/>
+            <a:r>
+              <a:rPr lang="ru-RU" dirty="0" smtClean="0"/>
+              <a:t>Учитываются пожелания пользователей</a:t>
             </a:r>
             <a:endParaRPr lang="en-US" dirty="0" smtClean="0"/>
+          </a:p>
+          <a:p>
+            <a:pPr lvl="1"/>
+            <a:r>
+              <a:rPr lang="ru-RU" dirty="0" smtClean="0"/>
+              <a:t>В процессе разработки формируются интерфейсы модели и </a:t>
+            </a:r>
+            <a:r>
+              <a:rPr lang="en-US" dirty="0" smtClean="0"/>
+              <a:t>View</a:t>
+            </a:r>
+          </a:p>
+          <a:p>
+            <a:pPr lvl="1"/>
+            <a:r>
+              <a:rPr lang="ru-RU" dirty="0" smtClean="0"/>
+              <a:t>Требуется тщательное тестирование</a:t>
+            </a:r>
+          </a:p>
+          <a:p>
+            <a:pPr lvl="2"/>
+            <a:r>
+              <a:rPr lang="ru-RU" dirty="0" smtClean="0"/>
+              <a:t>При тестировании вместо них передаются </a:t>
+            </a:r>
+            <a:r>
+              <a:rPr lang="en-US" dirty="0" smtClean="0"/>
+              <a:t>mock-</a:t>
+            </a:r>
+            <a:r>
+              <a:rPr lang="ru-RU" dirty="0" smtClean="0"/>
+              <a:t>и</a:t>
+            </a:r>
+            <a:endParaRPr lang="ru-RU" dirty="0"/>
+          </a:p>
+        </p:txBody>
+      </p:sp>
+    </p:spTree>
+    <p:extLst>
+      <p:ext uri="{BB962C8B-B14F-4D97-AF65-F5344CB8AC3E}">
+        <p14:creationId xmlns:p14="http://schemas.microsoft.com/office/powerpoint/2010/main" val="3054116969"/>
+      </p:ext>
+    </p:extLst>
+  </p:cSld>
+  <p:clrMapOvr>
+    <a:masterClrMapping/>
+  </p:clrMapOvr>
+  <p:timing>
+    <p:tnLst>
+      <p:par>
+        <p:cTn id="1" dur="indefinite" restart="never" nodeType="tmRoot"/>
+      </p:par>
+    </p:tnLst>
+  </p:timing>
+</p:sld>
+</file>
+
+<file path=ppt/slides/slide16.xml><?xml version="1.0" encoding="utf-8"?>
+<p:sld xmlns:a="http://schemas.openxmlformats.org/drawingml/2006/main" xmlns:r="http://schemas.openxmlformats.org/officeDocument/2006/relationships" xmlns:p="http://schemas.openxmlformats.org/presentationml/2006/main">
+  <p:cSld>
+    <p:spTree>
+      <p:nvGrpSpPr>
+        <p:cNvPr id="1" name=""/>
+        <p:cNvGrpSpPr/>
+        <p:nvPr/>
+      </p:nvGrpSpPr>
+      <p:grpSpPr>
+        <a:xfrm>
+          <a:off x="0" y="0"/>
+          <a:ext cx="0" cy="0"/>
+          <a:chOff x="0" y="0"/>
+          <a:chExt cx="0" cy="0"/>
+        </a:xfrm>
+      </p:grpSpPr>
+      <p:sp>
+        <p:nvSpPr>
+          <p:cNvPr id="4" name="Title 3"/>
+          <p:cNvSpPr>
+            <a:spLocks noGrp="1"/>
+          </p:cNvSpPr>
+          <p:nvPr>
+            <p:ph type="title"/>
+          </p:nvPr>
+        </p:nvSpPr>
+        <p:spPr/>
+        <p:txBody>
+          <a:bodyPr/>
+          <a:lstStyle/>
+          <a:p>
+            <a:r>
+              <a:rPr lang="en-US" dirty="0" smtClean="0"/>
+              <a:t>MVVM</a:t>
+            </a:r>
+            <a:endParaRPr lang="ru-RU" dirty="0"/>
+          </a:p>
+        </p:txBody>
+      </p:sp>
+      <p:sp>
+        <p:nvSpPr>
+          <p:cNvPr id="5" name="Text Placeholder 4"/>
+          <p:cNvSpPr>
+            <a:spLocks noGrp="1"/>
+          </p:cNvSpPr>
+          <p:nvPr>
+            <p:ph type="body" idx="1"/>
+          </p:nvPr>
+        </p:nvSpPr>
+        <p:spPr/>
+        <p:txBody>
+          <a:bodyPr/>
+          <a:lstStyle/>
+          <a:p>
+            <a:endParaRPr lang="ru-RU"/>
+          </a:p>
+        </p:txBody>
+      </p:sp>
+    </p:spTree>
+    <p:extLst>
+      <p:ext uri="{BB962C8B-B14F-4D97-AF65-F5344CB8AC3E}">
+        <p14:creationId xmlns:p14="http://schemas.microsoft.com/office/powerpoint/2010/main" val="3904773133"/>
+      </p:ext>
+    </p:extLst>
+  </p:cSld>
+  <p:clrMapOvr>
+    <a:masterClrMapping/>
+  </p:clrMapOvr>
+  <p:timing>
+    <p:tnLst>
+      <p:par>
+        <p:cTn id="1" dur="indefinite" restart="never" nodeType="tmRoot"/>
+      </p:par>
+    </p:tnLst>
+  </p:timing>
+</p:sld>
+</file>
+
+<file path=ppt/slides/slide17.xml><?xml version="1.0" encoding="utf-8"?>
+<p:sld xmlns:a="http://schemas.openxmlformats.org/drawingml/2006/main" xmlns:r="http://schemas.openxmlformats.org/officeDocument/2006/relationships" xmlns:p="http://schemas.openxmlformats.org/presentationml/2006/main">
+  <p:cSld>
+    <p:spTree>
+      <p:nvGrpSpPr>
+        <p:cNvPr id="1" name=""/>
+        <p:cNvGrpSpPr/>
+        <p:nvPr/>
+      </p:nvGrpSpPr>
+      <p:grpSpPr>
+        <a:xfrm>
+          <a:off x="0" y="0"/>
+          <a:ext cx="0" cy="0"/>
+          <a:chOff x="0" y="0"/>
+          <a:chExt cx="0" cy="0"/>
+        </a:xfrm>
+      </p:grpSpPr>
+      <p:sp>
+        <p:nvSpPr>
+          <p:cNvPr id="4" name="Title 3"/>
+          <p:cNvSpPr>
+            <a:spLocks noGrp="1"/>
+          </p:cNvSpPr>
+          <p:nvPr>
+            <p:ph type="title"/>
+          </p:nvPr>
+        </p:nvSpPr>
+        <p:spPr/>
+        <p:txBody>
+          <a:bodyPr/>
+          <a:lstStyle/>
+          <a:p>
+            <a:r>
+              <a:rPr lang="en-US" dirty="0" smtClean="0">
+                <a:hlinkClick r:id="rId2"/>
+              </a:rPr>
+              <a:t>Model-View-</a:t>
+            </a:r>
+            <a:r>
+              <a:rPr lang="en-US" dirty="0" err="1" smtClean="0">
+                <a:hlinkClick r:id="rId2"/>
+              </a:rPr>
+              <a:t>ViewModel</a:t>
+            </a:r>
+            <a:endParaRPr lang="ru-RU" dirty="0"/>
+          </a:p>
+        </p:txBody>
+      </p:sp>
+      <p:sp>
+        <p:nvSpPr>
+          <p:cNvPr id="5" name="Content Placeholder 4"/>
+          <p:cNvSpPr>
+            <a:spLocks noGrp="1"/>
+          </p:cNvSpPr>
+          <p:nvPr>
+            <p:ph idx="1"/>
+          </p:nvPr>
+        </p:nvSpPr>
+        <p:spPr/>
+        <p:txBody>
+          <a:bodyPr>
+            <a:normAutofit fontScale="92500" lnSpcReduction="20000"/>
+          </a:bodyPr>
+          <a:lstStyle/>
+          <a:p>
+            <a:r>
+              <a:rPr lang="ru-RU" b="1" dirty="0" smtClean="0"/>
+              <a:t>Модель</a:t>
+            </a:r>
+            <a:endParaRPr lang="ru-RU" dirty="0"/>
+          </a:p>
+          <a:p>
+            <a:pPr lvl="1"/>
+            <a:r>
+              <a:rPr lang="ru-RU" dirty="0" smtClean="0"/>
+              <a:t>Отвечает за бизнес-сущности, не зависящие от визуального представления, шлет события о своем изменении</a:t>
+            </a:r>
+          </a:p>
+          <a:p>
+            <a:r>
+              <a:rPr lang="ru-RU" dirty="0" smtClean="0"/>
+              <a:t>Представление</a:t>
+            </a:r>
+          </a:p>
+          <a:p>
+            <a:pPr lvl="1"/>
+            <a:r>
+              <a:rPr lang="ru-RU" dirty="0" smtClean="0"/>
+              <a:t>Формирует </a:t>
+            </a:r>
+            <a:r>
+              <a:rPr lang="en-US" dirty="0" smtClean="0"/>
+              <a:t>UI</a:t>
+            </a:r>
+            <a:r>
+              <a:rPr lang="ru-RU" dirty="0" smtClean="0"/>
+              <a:t>, шлет события в ответ на действия пользователя</a:t>
+            </a:r>
+          </a:p>
+          <a:p>
+            <a:r>
+              <a:rPr lang="ru-RU" dirty="0" smtClean="0"/>
+              <a:t>Модель представления</a:t>
+            </a:r>
+          </a:p>
+          <a:p>
+            <a:pPr lvl="1"/>
+            <a:r>
+              <a:rPr lang="ru-RU" dirty="0" smtClean="0"/>
+              <a:t>Извлекает данные из модели и превращает в формат, требуемый </a:t>
+            </a:r>
+            <a:r>
+              <a:rPr lang="en-US" dirty="0" smtClean="0"/>
+              <a:t>View</a:t>
+            </a:r>
+            <a:r>
+              <a:rPr lang="ru-RU" dirty="0" smtClean="0"/>
+              <a:t>, уведомляет </a:t>
+            </a:r>
+            <a:r>
+              <a:rPr lang="en-US" dirty="0" smtClean="0"/>
+              <a:t>View </a:t>
+            </a:r>
+            <a:r>
+              <a:rPr lang="ru-RU" dirty="0" smtClean="0"/>
+              <a:t>об изменения в модели, обновляет модель в ответ на события от </a:t>
+            </a:r>
+            <a:r>
+              <a:rPr lang="en-US" dirty="0" smtClean="0"/>
+              <a:t>View</a:t>
+            </a:r>
+            <a:endParaRPr lang="ru-RU" dirty="0"/>
+          </a:p>
+        </p:txBody>
+      </p:sp>
+    </p:spTree>
+    <p:extLst>
+      <p:ext uri="{BB962C8B-B14F-4D97-AF65-F5344CB8AC3E}">
+        <p14:creationId xmlns:p14="http://schemas.microsoft.com/office/powerpoint/2010/main" val="2108277257"/>
+      </p:ext>
+    </p:extLst>
+  </p:cSld>
+  <p:clrMapOvr>
+    <a:masterClrMapping/>
+  </p:clrMapOvr>
+  <p:timing>
+    <p:tnLst>
+      <p:par>
+        <p:cTn id="1" dur="indefinite" restart="never" nodeType="tmRoot"/>
+      </p:par>
+    </p:tnLst>
+  </p:timing>
+</p:sld>
+</file>
+
+<file path=ppt/slides/slide18.xml><?xml version="1.0" encoding="utf-8"?>
+<p:sld xmlns:a="http://schemas.openxmlformats.org/drawingml/2006/main" xmlns:r="http://schemas.openxmlformats.org/officeDocument/2006/relationships" xmlns:p="http://schemas.openxmlformats.org/presentationml/2006/main">
+  <p:cSld>
+    <p:spTree>
+      <p:nvGrpSpPr>
+        <p:cNvPr id="1" name=""/>
+        <p:cNvGrpSpPr/>
+        <p:nvPr/>
+      </p:nvGrpSpPr>
+      <p:grpSpPr>
+        <a:xfrm>
+          <a:off x="0" y="0"/>
+          <a:ext cx="0" cy="0"/>
+          <a:chOff x="0" y="0"/>
+          <a:chExt cx="0" cy="0"/>
+        </a:xfrm>
+      </p:grpSpPr>
+      <p:sp>
+        <p:nvSpPr>
+          <p:cNvPr id="2" name="Title 1"/>
+          <p:cNvSpPr>
+            <a:spLocks noGrp="1"/>
+          </p:cNvSpPr>
+          <p:nvPr>
+            <p:ph type="title"/>
+          </p:nvPr>
+        </p:nvSpPr>
+        <p:spPr/>
+        <p:txBody>
+          <a:bodyPr/>
+          <a:lstStyle/>
+          <a:p>
+            <a:r>
+              <a:rPr lang="ru-RU" dirty="0" smtClean="0"/>
+              <a:t>Структура паттерна</a:t>
+            </a:r>
+            <a:endParaRPr lang="ru-RU" dirty="0"/>
+          </a:p>
+        </p:txBody>
+      </p:sp>
+      <p:pic>
+        <p:nvPicPr>
+          <p:cNvPr id="4" name="Content Placeholder 3"/>
+          <p:cNvPicPr>
+            <a:picLocks noGrp="1" noChangeAspect="1"/>
+          </p:cNvPicPr>
+          <p:nvPr>
+            <p:ph idx="1"/>
+          </p:nvPr>
+        </p:nvPicPr>
+        <p:blipFill>
+          <a:blip r:embed="rId2">
+            <a:extLst>
+              <a:ext uri="{28A0092B-C50C-407E-A947-70E740481C1C}">
+                <a14:useLocalDpi xmlns:a14="http://schemas.microsoft.com/office/drawing/2010/main" val="0"/>
+              </a:ext>
+            </a:extLst>
+          </a:blip>
+          <a:stretch>
+            <a:fillRect/>
+          </a:stretch>
+        </p:blipFill>
+        <p:spPr>
+          <a:xfrm>
+            <a:off x="457200" y="2564904"/>
+            <a:ext cx="8240432" cy="3168351"/>
+          </a:xfrm>
+        </p:spPr>
+      </p:pic>
+    </p:spTree>
+    <p:extLst>
+      <p:ext uri="{BB962C8B-B14F-4D97-AF65-F5344CB8AC3E}">
+        <p14:creationId xmlns:p14="http://schemas.microsoft.com/office/powerpoint/2010/main" val="3907468237"/>
+      </p:ext>
+    </p:extLst>
+  </p:cSld>
+  <p:clrMapOvr>
+    <a:masterClrMapping/>
+  </p:clrMapOvr>
+  <p:timing>
+    <p:tnLst>
+      <p:par>
+        <p:cTn id="1" dur="indefinite" restart="never" nodeType="tmRoot"/>
+      </p:par>
+    </p:tnLst>
+  </p:timing>
+</p:sld>
+</file>
+
+<file path=ppt/slides/slide19.xml><?xml version="1.0" encoding="utf-8"?>
+<p:sld xmlns:a="http://schemas.openxmlformats.org/drawingml/2006/main" xmlns:r="http://schemas.openxmlformats.org/officeDocument/2006/relationships" xmlns:p="http://schemas.openxmlformats.org/presentationml/2006/main">
+  <p:cSld>
+    <p:spTree>
+      <p:nvGrpSpPr>
+        <p:cNvPr id="1" name=""/>
+        <p:cNvGrpSpPr/>
+        <p:nvPr/>
+      </p:nvGrpSpPr>
+      <p:grpSpPr>
+        <a:xfrm>
+          <a:off x="0" y="0"/>
+          <a:ext cx="0" cy="0"/>
+          <a:chOff x="0" y="0"/>
+          <a:chExt cx="0" cy="0"/>
+        </a:xfrm>
+      </p:grpSpPr>
+      <p:sp>
+        <p:nvSpPr>
+          <p:cNvPr id="2" name="Title 1"/>
+          <p:cNvSpPr>
+            <a:spLocks noGrp="1"/>
+          </p:cNvSpPr>
+          <p:nvPr>
+            <p:ph type="title"/>
+          </p:nvPr>
+        </p:nvSpPr>
+        <p:spPr/>
+        <p:txBody>
+          <a:bodyPr/>
+          <a:lstStyle/>
+          <a:p>
+            <a:r>
+              <a:rPr lang="ru-RU" smtClean="0"/>
+              <a:t>Ссылки</a:t>
+            </a:r>
+            <a:endParaRPr lang="ru-RU" dirty="0"/>
+          </a:p>
+        </p:txBody>
+      </p:sp>
+      <p:sp>
+        <p:nvSpPr>
+          <p:cNvPr id="3" name="Content Placeholder 2"/>
+          <p:cNvSpPr>
+            <a:spLocks noGrp="1"/>
+          </p:cNvSpPr>
+          <p:nvPr>
+            <p:ph idx="1"/>
+          </p:nvPr>
+        </p:nvSpPr>
+        <p:spPr/>
+        <p:txBody>
+          <a:bodyPr/>
+          <a:lstStyle/>
+          <a:p>
+            <a:r>
+              <a:rPr lang="en-US" dirty="0" smtClean="0">
+                <a:hlinkClick r:id="rId2"/>
+              </a:rPr>
+              <a:t>Understanding Model-View-Controller</a:t>
+            </a:r>
+            <a:endParaRPr lang="en-US" dirty="0" smtClean="0">
+              <a:hlinkClick r:id="rId3"/>
+            </a:endParaRPr>
           </a:p>
           <a:p>
             <a:r>
               <a:rPr lang="en-US" dirty="0" smtClean="0">
                 <a:hlinkClick r:id="rId3"/>
               </a:rPr>
-              <a:t>Supervising Controller</a:t>
+              <a:t>Everything </a:t>
+            </a:r>
+            <a:r>
+              <a:rPr lang="en-US" dirty="0" smtClean="0">
+                <a:hlinkClick r:id="rId3"/>
+              </a:rPr>
+              <a:t>you wanted to know about MVC and MVP but were afraid to ask</a:t>
             </a:r>
             <a:endParaRPr lang="en-US" dirty="0" smtClean="0"/>
           </a:p>
@@ -4534,7 +5474,7 @@
               <a:rPr lang="en-US" dirty="0" smtClean="0">
                 <a:hlinkClick r:id="rId4"/>
               </a:rPr>
-              <a:t>Passive View</a:t>
+              <a:t>Supervising Controller</a:t>
             </a:r>
             <a:endParaRPr lang="en-US" dirty="0" smtClean="0"/>
           </a:p>
@@ -4542,6 +5482,15 @@
             <a:r>
               <a:rPr lang="en-US" dirty="0" smtClean="0">
                 <a:hlinkClick r:id="rId5"/>
+              </a:rPr>
+              <a:t>Passive View</a:t>
+            </a:r>
+            <a:endParaRPr lang="en-US" dirty="0" smtClean="0"/>
+          </a:p>
+          <a:p>
+            <a:r>
+              <a:rPr lang="en-US" dirty="0" smtClean="0">
+                <a:hlinkClick r:id="rId6"/>
               </a:rPr>
               <a:t>Retirement note for MVP pattern</a:t>
             </a:r>
@@ -4933,8 +5882,10 @@
           <a:lstStyle/>
           <a:p>
             <a:r>
-              <a:rPr lang="en-US" dirty="0" smtClean="0"/>
-              <a:t>MVC</a:t>
+              <a:rPr lang="en-US" dirty="0" smtClean="0">
+                <a:hlinkClick r:id="rId2"/>
+              </a:rPr>
+              <a:t>Traditional MVC</a:t>
             </a:r>
             <a:endParaRPr lang="ru-RU" dirty="0"/>
           </a:p>
@@ -4951,7 +5902,7 @@
           </p:nvPr>
         </p:nvPicPr>
         <p:blipFill>
-          <a:blip r:embed="rId2"/>
+          <a:blip r:embed="rId3"/>
           <a:stretch>
             <a:fillRect/>
           </a:stretch>
@@ -5003,52 +5954,40 @@
           <a:chExt cx="0" cy="0"/>
         </a:xfrm>
       </p:grpSpPr>
-      <p:sp>
-        <p:nvSpPr>
-          <p:cNvPr id="4" name="Заголовок 3"/>
-          <p:cNvSpPr>
-            <a:spLocks noGrp="1"/>
-          </p:cNvSpPr>
-          <p:nvPr>
-            <p:ph type="title"/>
-          </p:nvPr>
-        </p:nvSpPr>
-        <p:spPr/>
-        <p:txBody>
-          <a:bodyPr/>
-          <a:lstStyle/>
-          <a:p>
-            <a:r>
-              <a:rPr lang="en-US" dirty="0"/>
-              <a:t>Passive View</a:t>
-            </a:r>
-            <a:endParaRPr lang="ru-RU" dirty="0"/>
-          </a:p>
-        </p:txBody>
-      </p:sp>
-      <p:sp>
-        <p:nvSpPr>
-          <p:cNvPr id="5" name="Текст 4"/>
-          <p:cNvSpPr>
-            <a:spLocks noGrp="1"/>
-          </p:cNvSpPr>
-          <p:nvPr>
-            <p:ph type="body" idx="1"/>
-          </p:nvPr>
-        </p:nvSpPr>
-        <p:spPr/>
-        <p:txBody>
-          <a:bodyPr/>
-          <a:lstStyle/>
-          <a:p>
-            <a:endParaRPr lang="ru-RU"/>
-          </a:p>
-        </p:txBody>
-      </p:sp>
+      <p:pic>
+        <p:nvPicPr>
+          <p:cNvPr id="5" name="Picture 4"/>
+          <p:cNvPicPr>
+            <a:picLocks noChangeAspect="1"/>
+          </p:cNvPicPr>
+          <p:nvPr/>
+        </p:nvPicPr>
+        <p:blipFill>
+          <a:blip r:embed="rId2" cstate="print">
+            <a:extLst>
+              <a:ext uri="{28A0092B-C50C-407E-A947-70E740481C1C}">
+                <a14:useLocalDpi xmlns:a14="http://schemas.microsoft.com/office/drawing/2010/main" val="0"/>
+              </a:ext>
+            </a:extLst>
+          </a:blip>
+          <a:stretch>
+            <a:fillRect/>
+          </a:stretch>
+        </p:blipFill>
+        <p:spPr>
+          <a:xfrm>
+            <a:off x="611560" y="116632"/>
+            <a:ext cx="7920880" cy="6443185"/>
+          </a:xfrm>
+          <a:prstGeom prst="rect">
+            <a:avLst/>
+          </a:prstGeom>
+        </p:spPr>
+      </p:pic>
     </p:spTree>
     <p:extLst>
       <p:ext uri="{BB962C8B-B14F-4D97-AF65-F5344CB8AC3E}">
-        <p14:creationId xmlns:p14="http://schemas.microsoft.com/office/powerpoint/2010/main" val="2611667364"/>
+        <p14:creationId xmlns:p14="http://schemas.microsoft.com/office/powerpoint/2010/main" val="3752438798"/>
       </p:ext>
     </p:extLst>
   </p:cSld>
@@ -5107,6 +6046,87 @@
       </p:sp>
       <p:sp>
         <p:nvSpPr>
+          <p:cNvPr id="5" name="Текст 4"/>
+          <p:cNvSpPr>
+            <a:spLocks noGrp="1"/>
+          </p:cNvSpPr>
+          <p:nvPr>
+            <p:ph type="body" idx="1"/>
+          </p:nvPr>
+        </p:nvSpPr>
+        <p:spPr/>
+        <p:txBody>
+          <a:bodyPr/>
+          <a:lstStyle/>
+          <a:p>
+            <a:endParaRPr lang="ru-RU"/>
+          </a:p>
+        </p:txBody>
+      </p:sp>
+    </p:spTree>
+    <p:extLst>
+      <p:ext uri="{BB962C8B-B14F-4D97-AF65-F5344CB8AC3E}">
+        <p14:creationId xmlns:p14="http://schemas.microsoft.com/office/powerpoint/2010/main" val="2611667364"/>
+      </p:ext>
+    </p:extLst>
+  </p:cSld>
+  <p:clrMapOvr>
+    <a:masterClrMapping/>
+  </p:clrMapOvr>
+  <p:timing>
+    <p:tnLst>
+      <p:par>
+        <p:cTn id="1" dur="indefinite" restart="never" nodeType="tmRoot"/>
+      </p:par>
+    </p:tnLst>
+  </p:timing>
+</p:sld>
+</file>
+
+<file path=ppt/slides/slide8.xml><?xml version="1.0" encoding="utf-8"?>
+<p:sld xmlns:a="http://schemas.openxmlformats.org/drawingml/2006/main" xmlns:r="http://schemas.openxmlformats.org/officeDocument/2006/relationships" xmlns:p="http://schemas.openxmlformats.org/presentationml/2006/main">
+  <p:cSld>
+    <p:spTree>
+      <p:nvGrpSpPr>
+        <p:cNvPr id="1" name=""/>
+        <p:cNvGrpSpPr/>
+        <p:nvPr/>
+      </p:nvGrpSpPr>
+      <p:grpSpPr>
+        <a:xfrm>
+          <a:off x="0" y="0"/>
+          <a:ext cx="0" cy="0"/>
+          <a:chOff x="0" y="0"/>
+          <a:chExt cx="0" cy="0"/>
+        </a:xfrm>
+      </p:grpSpPr>
+      <p:sp>
+        <p:nvSpPr>
+          <p:cNvPr id="4" name="Заголовок 3"/>
+          <p:cNvSpPr>
+            <a:spLocks noGrp="1"/>
+          </p:cNvSpPr>
+          <p:nvPr>
+            <p:ph type="title"/>
+          </p:nvPr>
+        </p:nvSpPr>
+        <p:spPr/>
+        <p:txBody>
+          <a:bodyPr/>
+          <a:lstStyle/>
+          <a:p>
+            <a:r>
+              <a:rPr lang="en-US" dirty="0">
+                <a:hlinkClick r:id="rId2"/>
+              </a:rPr>
+              <a:t>Passive View</a:t>
+            </a:r>
+            <a:endParaRPr lang="ru-RU" dirty="0"/>
+          </a:p>
+        </p:txBody>
+      </p:sp>
+      <p:sp>
+        <p:nvSpPr>
           <p:cNvPr id="6" name="Объект 5"/>
           <p:cNvSpPr>
             <a:spLocks noGrp="1"/>
@@ -5167,7 +6187,7 @@
 </p:sld>
 </file>
 
-<file path=ppt/slides/slide8.xml><?xml version="1.0" encoding="utf-8"?>
+<file path=ppt/slides/slide9.xml><?xml version="1.0" encoding="utf-8"?>
 <p:sld xmlns:a="http://schemas.openxmlformats.org/drawingml/2006/main" xmlns:r="http://schemas.openxmlformats.org/officeDocument/2006/relationships" xmlns:p="http://schemas.openxmlformats.org/presentationml/2006/main">
   <p:cSld>
     <p:spTree>
@@ -5251,116 +6271,6 @@
     <p:extLst>
       <p:ext uri="{BB962C8B-B14F-4D97-AF65-F5344CB8AC3E}">
         <p14:creationId xmlns:p14="http://schemas.microsoft.com/office/powerpoint/2010/main" val="969127762"/>
-      </p:ext>
-    </p:extLst>
-  </p:cSld>
-  <p:clrMapOvr>
-    <a:masterClrMapping/>
-  </p:clrMapOvr>
-  <p:timing>
-    <p:tnLst>
-      <p:par>
-        <p:cTn id="1" dur="indefinite" restart="never" nodeType="tmRoot"/>
-      </p:par>
-    </p:tnLst>
-  </p:timing>
-</p:sld>
-</file>
-
-<file path=ppt/slides/slide9.xml><?xml version="1.0" encoding="utf-8"?>
-<p:sld xmlns:a="http://schemas.openxmlformats.org/drawingml/2006/main" xmlns:r="http://schemas.openxmlformats.org/officeDocument/2006/relationships" xmlns:p="http://schemas.openxmlformats.org/presentationml/2006/main">
-  <p:cSld>
-    <p:spTree>
-      <p:nvGrpSpPr>
-        <p:cNvPr id="1" name=""/>
-        <p:cNvGrpSpPr/>
-        <p:nvPr/>
-      </p:nvGrpSpPr>
-      <p:grpSpPr>
-        <a:xfrm>
-          <a:off x="0" y="0"/>
-          <a:ext cx="0" cy="0"/>
-          <a:chOff x="0" y="0"/>
-          <a:chExt cx="0" cy="0"/>
-        </a:xfrm>
-      </p:grpSpPr>
-      <p:sp>
-        <p:nvSpPr>
-          <p:cNvPr id="2" name="Заголовок 1"/>
-          <p:cNvSpPr>
-            <a:spLocks noGrp="1"/>
-          </p:cNvSpPr>
-          <p:nvPr>
-            <p:ph type="title"/>
-          </p:nvPr>
-        </p:nvSpPr>
-        <p:spPr/>
-        <p:txBody>
-          <a:bodyPr/>
-          <a:lstStyle/>
-          <a:p>
-            <a:r>
-              <a:rPr lang="ru-RU" dirty="0"/>
-              <a:t>Применение</a:t>
-            </a:r>
-          </a:p>
-        </p:txBody>
-      </p:sp>
-      <p:sp>
-        <p:nvSpPr>
-          <p:cNvPr id="3" name="Объект 2"/>
-          <p:cNvSpPr>
-            <a:spLocks noGrp="1"/>
-          </p:cNvSpPr>
-          <p:nvPr>
-            <p:ph idx="1"/>
-          </p:nvPr>
-        </p:nvSpPr>
-        <p:spPr/>
-        <p:txBody>
-          <a:bodyPr/>
-          <a:lstStyle/>
-          <a:p>
-            <a:r>
-              <a:rPr lang="ru-RU" dirty="0"/>
-              <a:t>Важно обеспечить хорошее покрытие кода тестами</a:t>
-            </a:r>
-          </a:p>
-          <a:p>
-            <a:r>
-              <a:rPr lang="ru-RU" dirty="0"/>
-              <a:t>Контроллер может функционировать и быть протестирован вне </a:t>
-            </a:r>
-            <a:r>
-              <a:rPr lang="en-US" dirty="0"/>
-              <a:t>UI</a:t>
-            </a:r>
-            <a:r>
-              <a:rPr lang="ru-RU" dirty="0"/>
-              <a:t>-окружения</a:t>
-            </a:r>
-          </a:p>
-          <a:p>
-            <a:pPr lvl="1"/>
-            <a:r>
-              <a:rPr lang="ru-RU" dirty="0"/>
-              <a:t>В качестве </a:t>
-            </a:r>
-            <a:r>
-              <a:rPr lang="en-US" dirty="0"/>
-              <a:t>View </a:t>
-            </a:r>
-            <a:r>
-              <a:rPr lang="ru-RU" dirty="0"/>
-              <a:t>может быть использован тестовый дублер</a:t>
-            </a:r>
-          </a:p>
-        </p:txBody>
-      </p:sp>
-    </p:spTree>
-    <p:extLst>
-      <p:ext uri="{BB962C8B-B14F-4D97-AF65-F5344CB8AC3E}">
-        <p14:creationId xmlns:p14="http://schemas.microsoft.com/office/powerpoint/2010/main" val="1423434087"/>
       </p:ext>
     </p:extLst>
   </p:cSld>
@@ -5966,31 +6876,31 @@
 
 <file path=customXml/item2.xml><?xml version="1.0" encoding="utf-8"?>
 <Control xmlns="http://schemas.microsoft.com/VisualStudio/2011/storyboarding/control">
-  <Id Name="System.Storyboarding.Backgrounds.Window" Revision="1" Stencil="System.Storyboarding.Backgrounds" StencilVersion="0.1"/>
+  <Id Name="System.Storyboarding.Common.Text" Revision="1" Stencil="System.Storyboarding.Common" StencilVersion="0.1"/>
 </Control>
 </file>
 
 <file path=customXml/item3.xml><?xml version="1.0" encoding="utf-8"?>
 <Control xmlns="http://schemas.microsoft.com/VisualStudio/2011/storyboarding/control">
-  <Id Name="System.Storyboarding.Common.TextInput" Revision="1" Stencil="System.Storyboarding.Common" StencilVersion="0.1"/>
+  <Id Name="System.Storyboarding.Backgrounds.Window" Revision="1" Stencil="System.Storyboarding.Backgrounds" StencilVersion="0.1"/>
 </Control>
 </file>
 
 <file path=customXml/item4.xml><?xml version="1.0" encoding="utf-8"?>
 <Control xmlns="http://schemas.microsoft.com/VisualStudio/2011/storyboarding/control">
-  <Id Name="System.Storyboarding.Common.Text" Revision="1" Stencil="System.Storyboarding.Common" StencilVersion="0.1"/>
+  <Id Name="System.Storyboarding.Common.TextInput" Revision="1" Stencil="System.Storyboarding.Common" StencilVersion="0.1"/>
 </Control>
 </file>
 
 <file path=customXml/item5.xml><?xml version="1.0" encoding="utf-8"?>
 <Control xmlns="http://schemas.microsoft.com/VisualStudio/2011/storyboarding/control">
-  <Id Name="System.Storyboarding.Common.Text" Revision="1" Stencil="System.Storyboarding.Common" StencilVersion="0.1"/>
+  <Id Name="System.Storyboarding.Common.TextInput" Revision="1" Stencil="System.Storyboarding.Common" StencilVersion="0.1"/>
 </Control>
 </file>
 
 <file path=customXml/item6.xml><?xml version="1.0" encoding="utf-8"?>
 <Control xmlns="http://schemas.microsoft.com/VisualStudio/2011/storyboarding/control">
-  <Id Name="System.Storyboarding.Common.TextInput" Revision="1" Stencil="System.Storyboarding.Common" StencilVersion="0.1"/>
+  <Id Name="System.Storyboarding.Common.Text" Revision="1" Stencil="System.Storyboarding.Common" StencilVersion="0.1"/>
 </Control>
 </file>
 
@@ -6013,6 +6923,30 @@
 </file>
 
 <file path=customXml/itemProps1.xml><?xml version="1.0" encoding="utf-8"?>
+<ds:datastoreItem xmlns:ds="http://schemas.openxmlformats.org/officeDocument/2006/customXml" ds:itemID="{1B9DC17B-761D-47FA-A3C0-E53584C6A4A6}">
+  <ds:schemaRefs>
+    <ds:schemaRef ds:uri="http://schemas.microsoft.com/VisualStudio/2011/storyboarding/control"/>
+  </ds:schemaRefs>
+</ds:datastoreItem>
+</file>
+
+<file path=customXml/itemProps2.xml><?xml version="1.0" encoding="utf-8"?>
+<ds:datastoreItem xmlns:ds="http://schemas.openxmlformats.org/officeDocument/2006/customXml" ds:itemID="{E1DD6387-A549-483B-9966-FFE705E0180B}">
+  <ds:schemaRefs>
+    <ds:schemaRef ds:uri="http://schemas.microsoft.com/VisualStudio/2011/storyboarding/control"/>
+  </ds:schemaRefs>
+</ds:datastoreItem>
+</file>
+
+<file path=customXml/itemProps3.xml><?xml version="1.0" encoding="utf-8"?>
+<ds:datastoreItem xmlns:ds="http://schemas.openxmlformats.org/officeDocument/2006/customXml" ds:itemID="{54EBA524-2760-42B5-B6ED-80AA7A8E66FF}">
+  <ds:schemaRefs>
+    <ds:schemaRef ds:uri="http://schemas.microsoft.com/VisualStudio/2011/storyboarding/control"/>
+  </ds:schemaRefs>
+</ds:datastoreItem>
+</file>
+
+<file path=customXml/itemProps4.xml><?xml version="1.0" encoding="utf-8"?>
 <ds:datastoreItem xmlns:ds="http://schemas.openxmlformats.org/officeDocument/2006/customXml" ds:itemID="{425F175B-3530-4A4B-926B-CB7170700CBF}">
   <ds:schemaRefs>
     <ds:schemaRef ds:uri="http://schemas.microsoft.com/VisualStudio/2011/storyboarding/control"/>
@@ -6020,23 +6954,23 @@
 </ds:datastoreItem>
 </file>
 
-<file path=customXml/itemProps2.xml><?xml version="1.0" encoding="utf-8"?>
-<ds:datastoreItem xmlns:ds="http://schemas.openxmlformats.org/officeDocument/2006/customXml" ds:itemID="{54EBA524-2760-42B5-B6ED-80AA7A8E66FF}">
+<file path=customXml/itemProps5.xml><?xml version="1.0" encoding="utf-8"?>
+<ds:datastoreItem xmlns:ds="http://schemas.openxmlformats.org/officeDocument/2006/customXml" ds:itemID="{A8016BC2-1C33-498E-A9F9-5B817A65B8AA}">
   <ds:schemaRefs>
     <ds:schemaRef ds:uri="http://schemas.microsoft.com/VisualStudio/2011/storyboarding/control"/>
   </ds:schemaRefs>
 </ds:datastoreItem>
 </file>
 
-<file path=customXml/itemProps3.xml><?xml version="1.0" encoding="utf-8"?>
-<ds:datastoreItem xmlns:ds="http://schemas.openxmlformats.org/officeDocument/2006/customXml" ds:itemID="{1B9DC17B-761D-47FA-A3C0-E53584C6A4A6}">
+<file path=customXml/itemProps6.xml><?xml version="1.0" encoding="utf-8"?>
+<ds:datastoreItem xmlns:ds="http://schemas.openxmlformats.org/officeDocument/2006/customXml" ds:itemID="{8F525B19-BA52-4B0B-AC85-084E0FF3E37E}">
   <ds:schemaRefs>
     <ds:schemaRef ds:uri="http://schemas.microsoft.com/VisualStudio/2011/storyboarding/control"/>
   </ds:schemaRefs>
 </ds:datastoreItem>
 </file>
 
-<file path=customXml/itemProps4.xml><?xml version="1.0" encoding="utf-8"?>
+<file path=customXml/itemProps7.xml><?xml version="1.0" encoding="utf-8"?>
 <ds:datastoreItem xmlns:ds="http://schemas.openxmlformats.org/officeDocument/2006/customXml" ds:itemID="{09A7D8BD-D412-472A-9605-CA2D10183910}">
   <ds:schemaRefs>
     <ds:schemaRef ds:uri="http://schemas.microsoft.com/VisualStudio/2011/storyboarding/control"/>
@@ -6044,32 +6978,8 @@
 </ds:datastoreItem>
 </file>
 
-<file path=customXml/itemProps5.xml><?xml version="1.0" encoding="utf-8"?>
-<ds:datastoreItem xmlns:ds="http://schemas.openxmlformats.org/officeDocument/2006/customXml" ds:itemID="{8F525B19-BA52-4B0B-AC85-084E0FF3E37E}">
-  <ds:schemaRefs>
-    <ds:schemaRef ds:uri="http://schemas.microsoft.com/VisualStudio/2011/storyboarding/control"/>
-  </ds:schemaRefs>
-</ds:datastoreItem>
-</file>
-
-<file path=customXml/itemProps6.xml><?xml version="1.0" encoding="utf-8"?>
-<ds:datastoreItem xmlns:ds="http://schemas.openxmlformats.org/officeDocument/2006/customXml" ds:itemID="{A8016BC2-1C33-498E-A9F9-5B817A65B8AA}">
-  <ds:schemaRefs>
-    <ds:schemaRef ds:uri="http://schemas.microsoft.com/VisualStudio/2011/storyboarding/control"/>
-  </ds:schemaRefs>
-</ds:datastoreItem>
-</file>
-
-<file path=customXml/itemProps7.xml><?xml version="1.0" encoding="utf-8"?>
-<ds:datastoreItem xmlns:ds="http://schemas.openxmlformats.org/officeDocument/2006/customXml" ds:itemID="{E1DD6387-A549-483B-9966-FFE705E0180B}">
-  <ds:schemaRefs>
-    <ds:schemaRef ds:uri="http://schemas.microsoft.com/VisualStudio/2011/storyboarding/control"/>
-  </ds:schemaRefs>
-</ds:datastoreItem>
-</file>
-
 <file path=customXml/itemProps8.xml><?xml version="1.0" encoding="utf-8"?>
-<ds:datastoreItem xmlns:ds="http://schemas.openxmlformats.org/officeDocument/2006/customXml" ds:itemID="{FAE8ECFE-A746-4CED-8EC6-FB25DA17D2C8}">
+<ds:datastoreItem xmlns:ds="http://schemas.openxmlformats.org/officeDocument/2006/customXml" ds:itemID="{F0C7AE7B-513B-452E-8E39-1FB70E99A509}">
   <ds:schemaRefs>
     <ds:schemaRef ds:uri="http://schemas.microsoft.com/VisualStudio/2011/storyboarding/control"/>
   </ds:schemaRefs>
@@ -6077,7 +6987,7 @@
 </file>
 
 <file path=customXml/itemProps9.xml><?xml version="1.0" encoding="utf-8"?>
-<ds:datastoreItem xmlns:ds="http://schemas.openxmlformats.org/officeDocument/2006/customXml" ds:itemID="{F0C7AE7B-513B-452E-8E39-1FB70E99A509}">
+<ds:datastoreItem xmlns:ds="http://schemas.openxmlformats.org/officeDocument/2006/customXml" ds:itemID="{FAE8ECFE-A746-4CED-8EC6-FB25DA17D2C8}">
   <ds:schemaRefs>
     <ds:schemaRef ds:uri="http://schemas.microsoft.com/VisualStudio/2011/storyboarding/control"/>
   </ds:schemaRefs>

--- a/lectures/mvxx/mvxx.pptx
+++ b/lectures/mvxx/mvxx.pptx
@@ -5032,7 +5032,23 @@
             <a:pPr lvl="2"/>
             <a:r>
               <a:rPr lang="ru-RU" dirty="0" smtClean="0"/>
-              <a:t>При тестировании вместо них передаются </a:t>
+              <a:t>При тестировании вместо </a:t>
+            </a:r>
+            <a:r>
+              <a:rPr lang="en-US" dirty="0" smtClean="0"/>
+              <a:t>model </a:t>
+            </a:r>
+            <a:r>
+              <a:rPr lang="ru-RU" dirty="0" smtClean="0"/>
+              <a:t>и </a:t>
+            </a:r>
+            <a:r>
+              <a:rPr lang="en-US" dirty="0" smtClean="0"/>
+              <a:t>view </a:t>
+            </a:r>
+            <a:r>
+              <a:rPr lang="ru-RU" dirty="0" smtClean="0"/>
+              <a:t>передаются </a:t>
             </a:r>
             <a:r>
               <a:rPr lang="en-US" dirty="0" smtClean="0"/>
@@ -5459,13 +5475,7 @@
               <a:rPr lang="en-US" dirty="0" smtClean="0">
                 <a:hlinkClick r:id="rId3"/>
               </a:rPr>
-              <a:t>Everything </a:t>
-            </a:r>
-            <a:r>
-              <a:rPr lang="en-US" dirty="0" smtClean="0">
-                <a:hlinkClick r:id="rId3"/>
-              </a:rPr>
-              <a:t>you wanted to know about MVC and MVP but were afraid to ask</a:t>
+              <a:t>Everything you wanted to know about MVC and MVP but were afraid to ask</a:t>
             </a:r>
             <a:endParaRPr lang="en-US" dirty="0" smtClean="0"/>
           </a:p>
@@ -6870,19 +6880,19 @@
 
 <file path=customXml/item1.xml><?xml version="1.0" encoding="utf-8"?>
 <Control xmlns="http://schemas.microsoft.com/VisualStudio/2011/storyboarding/control">
-  <Id Name="System.Storyboarding.Common.TextInput" Revision="1" Stencil="System.Storyboarding.Common" StencilVersion="0.1"/>
+  <Id Name="System.Storyboarding.Common.Text" Revision="1" Stencil="System.Storyboarding.Common" StencilVersion="0.1"/>
 </Control>
 </file>
 
 <file path=customXml/item2.xml><?xml version="1.0" encoding="utf-8"?>
 <Control xmlns="http://schemas.microsoft.com/VisualStudio/2011/storyboarding/control">
-  <Id Name="System.Storyboarding.Common.Text" Revision="1" Stencil="System.Storyboarding.Common" StencilVersion="0.1"/>
+  <Id Name="System.Storyboarding.Common.TextInput" Revision="1" Stencil="System.Storyboarding.Common" StencilVersion="0.1"/>
 </Control>
 </file>
 
 <file path=customXml/item3.xml><?xml version="1.0" encoding="utf-8"?>
 <Control xmlns="http://schemas.microsoft.com/VisualStudio/2011/storyboarding/control">
-  <Id Name="System.Storyboarding.Backgrounds.Window" Revision="1" Stencil="System.Storyboarding.Backgrounds" StencilVersion="0.1"/>
+  <Id Name="System.Storyboarding.Common.Text" Revision="1" Stencil="System.Storyboarding.Common" StencilVersion="0.1"/>
 </Control>
 </file>
 
@@ -6912,7 +6922,7 @@
 
 <file path=customXml/item8.xml><?xml version="1.0" encoding="utf-8"?>
 <Control xmlns="http://schemas.microsoft.com/VisualStudio/2011/storyboarding/control">
-  <Id Name="System.Storyboarding.Common.Text" Revision="1" Stencil="System.Storyboarding.Common" StencilVersion="0.1"/>
+  <Id Name="System.Storyboarding.Backgrounds.Window" Revision="1" Stencil="System.Storyboarding.Backgrounds" StencilVersion="0.1"/>
 </Control>
 </file>
 
@@ -6923,6 +6933,14 @@
 </file>
 
 <file path=customXml/itemProps1.xml><?xml version="1.0" encoding="utf-8"?>
+<ds:datastoreItem xmlns:ds="http://schemas.openxmlformats.org/officeDocument/2006/customXml" ds:itemID="{E1DD6387-A549-483B-9966-FFE705E0180B}">
+  <ds:schemaRefs>
+    <ds:schemaRef ds:uri="http://schemas.microsoft.com/VisualStudio/2011/storyboarding/control"/>
+  </ds:schemaRefs>
+</ds:datastoreItem>
+</file>
+
+<file path=customXml/itemProps2.xml><?xml version="1.0" encoding="utf-8"?>
 <ds:datastoreItem xmlns:ds="http://schemas.openxmlformats.org/officeDocument/2006/customXml" ds:itemID="{1B9DC17B-761D-47FA-A3C0-E53584C6A4A6}">
   <ds:schemaRefs>
     <ds:schemaRef ds:uri="http://schemas.microsoft.com/VisualStudio/2011/storyboarding/control"/>
@@ -6930,15 +6948,47 @@
 </ds:datastoreItem>
 </file>
 
-<file path=customXml/itemProps2.xml><?xml version="1.0" encoding="utf-8"?>
-<ds:datastoreItem xmlns:ds="http://schemas.openxmlformats.org/officeDocument/2006/customXml" ds:itemID="{E1DD6387-A549-483B-9966-FFE705E0180B}">
+<file path=customXml/itemProps3.xml><?xml version="1.0" encoding="utf-8"?>
+<ds:datastoreItem xmlns:ds="http://schemas.openxmlformats.org/officeDocument/2006/customXml" ds:itemID="{8F525B19-BA52-4B0B-AC85-084E0FF3E37E}">
   <ds:schemaRefs>
     <ds:schemaRef ds:uri="http://schemas.microsoft.com/VisualStudio/2011/storyboarding/control"/>
   </ds:schemaRefs>
 </ds:datastoreItem>
 </file>
 
-<file path=customXml/itemProps3.xml><?xml version="1.0" encoding="utf-8"?>
+<file path=customXml/itemProps4.xml><?xml version="1.0" encoding="utf-8"?>
+<ds:datastoreItem xmlns:ds="http://schemas.openxmlformats.org/officeDocument/2006/customXml" ds:itemID="{A8016BC2-1C33-498E-A9F9-5B817A65B8AA}">
+  <ds:schemaRefs>
+    <ds:schemaRef ds:uri="http://schemas.microsoft.com/VisualStudio/2011/storyboarding/control"/>
+  </ds:schemaRefs>
+</ds:datastoreItem>
+</file>
+
+<file path=customXml/itemProps5.xml><?xml version="1.0" encoding="utf-8"?>
+<ds:datastoreItem xmlns:ds="http://schemas.openxmlformats.org/officeDocument/2006/customXml" ds:itemID="{425F175B-3530-4A4B-926B-CB7170700CBF}">
+  <ds:schemaRefs>
+    <ds:schemaRef ds:uri="http://schemas.microsoft.com/VisualStudio/2011/storyboarding/control"/>
+  </ds:schemaRefs>
+</ds:datastoreItem>
+</file>
+
+<file path=customXml/itemProps6.xml><?xml version="1.0" encoding="utf-8"?>
+<ds:datastoreItem xmlns:ds="http://schemas.openxmlformats.org/officeDocument/2006/customXml" ds:itemID="{FAE8ECFE-A746-4CED-8EC6-FB25DA17D2C8}">
+  <ds:schemaRefs>
+    <ds:schemaRef ds:uri="http://schemas.microsoft.com/VisualStudio/2011/storyboarding/control"/>
+  </ds:schemaRefs>
+</ds:datastoreItem>
+</file>
+
+<file path=customXml/itemProps7.xml><?xml version="1.0" encoding="utf-8"?>
+<ds:datastoreItem xmlns:ds="http://schemas.openxmlformats.org/officeDocument/2006/customXml" ds:itemID="{F0C7AE7B-513B-452E-8E39-1FB70E99A509}">
+  <ds:schemaRefs>
+    <ds:schemaRef ds:uri="http://schemas.microsoft.com/VisualStudio/2011/storyboarding/control"/>
+  </ds:schemaRefs>
+</ds:datastoreItem>
+</file>
+
+<file path=customXml/itemProps8.xml><?xml version="1.0" encoding="utf-8"?>
 <ds:datastoreItem xmlns:ds="http://schemas.openxmlformats.org/officeDocument/2006/customXml" ds:itemID="{54EBA524-2760-42B5-B6ED-80AA7A8E66FF}">
   <ds:schemaRefs>
     <ds:schemaRef ds:uri="http://schemas.microsoft.com/VisualStudio/2011/storyboarding/control"/>
@@ -6946,50 +6996,10 @@
 </ds:datastoreItem>
 </file>
 
-<file path=customXml/itemProps4.xml><?xml version="1.0" encoding="utf-8"?>
-<ds:datastoreItem xmlns:ds="http://schemas.openxmlformats.org/officeDocument/2006/customXml" ds:itemID="{425F175B-3530-4A4B-926B-CB7170700CBF}">
-  <ds:schemaRefs>
-    <ds:schemaRef ds:uri="http://schemas.microsoft.com/VisualStudio/2011/storyboarding/control"/>
-  </ds:schemaRefs>
-</ds:datastoreItem>
-</file>
-
-<file path=customXml/itemProps5.xml><?xml version="1.0" encoding="utf-8"?>
-<ds:datastoreItem xmlns:ds="http://schemas.openxmlformats.org/officeDocument/2006/customXml" ds:itemID="{A8016BC2-1C33-498E-A9F9-5B817A65B8AA}">
-  <ds:schemaRefs>
-    <ds:schemaRef ds:uri="http://schemas.microsoft.com/VisualStudio/2011/storyboarding/control"/>
-  </ds:schemaRefs>
-</ds:datastoreItem>
-</file>
-
-<file path=customXml/itemProps6.xml><?xml version="1.0" encoding="utf-8"?>
-<ds:datastoreItem xmlns:ds="http://schemas.openxmlformats.org/officeDocument/2006/customXml" ds:itemID="{8F525B19-BA52-4B0B-AC85-084E0FF3E37E}">
-  <ds:schemaRefs>
-    <ds:schemaRef ds:uri="http://schemas.microsoft.com/VisualStudio/2011/storyboarding/control"/>
-  </ds:schemaRefs>
-</ds:datastoreItem>
-</file>
-
-<file path=customXml/itemProps7.xml><?xml version="1.0" encoding="utf-8"?>
+<file path=customXml/itemProps9.xml><?xml version="1.0" encoding="utf-8"?>
 <ds:datastoreItem xmlns:ds="http://schemas.openxmlformats.org/officeDocument/2006/customXml" ds:itemID="{09A7D8BD-D412-472A-9605-CA2D10183910}">
   <ds:schemaRefs>
     <ds:schemaRef ds:uri="http://schemas.microsoft.com/VisualStudio/2011/storyboarding/control"/>
   </ds:schemaRefs>
 </ds:datastoreItem>
-</file>
-
-<file path=customXml/itemProps8.xml><?xml version="1.0" encoding="utf-8"?>
-<ds:datastoreItem xmlns:ds="http://schemas.openxmlformats.org/officeDocument/2006/customXml" ds:itemID="{F0C7AE7B-513B-452E-8E39-1FB70E99A509}">
-  <ds:schemaRefs>
-    <ds:schemaRef ds:uri="http://schemas.microsoft.com/VisualStudio/2011/storyboarding/control"/>
-  </ds:schemaRefs>
-</ds:datastoreItem>
-</file>
-
-<file path=customXml/itemProps9.xml><?xml version="1.0" encoding="utf-8"?>
-<ds:datastoreItem xmlns:ds="http://schemas.openxmlformats.org/officeDocument/2006/customXml" ds:itemID="{FAE8ECFE-A746-4CED-8EC6-FB25DA17D2C8}">
-  <ds:schemaRefs>
-    <ds:schemaRef ds:uri="http://schemas.microsoft.com/VisualStudio/2011/storyboarding/control"/>
-  </ds:schemaRefs>
-</ds:datastoreItem>
 </file>